--- a/real_data codes/map_grids.pptx
+++ b/real_data codes/map_grids.pptx
@@ -6,7 +6,6 @@
   </p:sldMasterIdLst>
   <p:sldIdLst>
     <p:sldId id="256" r:id="rId2"/>
-    <p:sldId id="257" r:id="rId3"/>
   </p:sldIdLst>
   <p:sldSz cx="14400213" cy="10799763"/>
   <p:notesSz cx="6858000" cy="9144000"/>
@@ -252,7 +251,7 @@
           <a:p>
             <a:fld id="{C04DFA87-68E3-4FBD-918D-4D84F888B3C4}" type="datetimeFigureOut">
               <a:rPr lang="ko-KR" altLang="en-US" smtClean="0"/>
-              <a:t>2021-10-06</a:t>
+              <a:t>2021-10-08</a:t>
             </a:fld>
             <a:endParaRPr lang="ko-KR" altLang="en-US"/>
           </a:p>
@@ -422,7 +421,7 @@
           <a:p>
             <a:fld id="{C04DFA87-68E3-4FBD-918D-4D84F888B3C4}" type="datetimeFigureOut">
               <a:rPr lang="ko-KR" altLang="en-US" smtClean="0"/>
-              <a:t>2021-10-06</a:t>
+              <a:t>2021-10-08</a:t>
             </a:fld>
             <a:endParaRPr lang="ko-KR" altLang="en-US"/>
           </a:p>
@@ -602,7 +601,7 @@
           <a:p>
             <a:fld id="{C04DFA87-68E3-4FBD-918D-4D84F888B3C4}" type="datetimeFigureOut">
               <a:rPr lang="ko-KR" altLang="en-US" smtClean="0"/>
-              <a:t>2021-10-06</a:t>
+              <a:t>2021-10-08</a:t>
             </a:fld>
             <a:endParaRPr lang="ko-KR" altLang="en-US"/>
           </a:p>
@@ -772,7 +771,7 @@
           <a:p>
             <a:fld id="{C04DFA87-68E3-4FBD-918D-4D84F888B3C4}" type="datetimeFigureOut">
               <a:rPr lang="ko-KR" altLang="en-US" smtClean="0"/>
-              <a:t>2021-10-06</a:t>
+              <a:t>2021-10-08</a:t>
             </a:fld>
             <a:endParaRPr lang="ko-KR" altLang="en-US"/>
           </a:p>
@@ -1016,7 +1015,7 @@
           <a:p>
             <a:fld id="{C04DFA87-68E3-4FBD-918D-4D84F888B3C4}" type="datetimeFigureOut">
               <a:rPr lang="ko-KR" altLang="en-US" smtClean="0"/>
-              <a:t>2021-10-06</a:t>
+              <a:t>2021-10-08</a:t>
             </a:fld>
             <a:endParaRPr lang="ko-KR" altLang="en-US"/>
           </a:p>
@@ -1248,7 +1247,7 @@
           <a:p>
             <a:fld id="{C04DFA87-68E3-4FBD-918D-4D84F888B3C4}" type="datetimeFigureOut">
               <a:rPr lang="ko-KR" altLang="en-US" smtClean="0"/>
-              <a:t>2021-10-06</a:t>
+              <a:t>2021-10-08</a:t>
             </a:fld>
             <a:endParaRPr lang="ko-KR" altLang="en-US"/>
           </a:p>
@@ -1615,7 +1614,7 @@
           <a:p>
             <a:fld id="{C04DFA87-68E3-4FBD-918D-4D84F888B3C4}" type="datetimeFigureOut">
               <a:rPr lang="ko-KR" altLang="en-US" smtClean="0"/>
-              <a:t>2021-10-06</a:t>
+              <a:t>2021-10-08</a:t>
             </a:fld>
             <a:endParaRPr lang="ko-KR" altLang="en-US"/>
           </a:p>
@@ -1733,7 +1732,7 @@
           <a:p>
             <a:fld id="{C04DFA87-68E3-4FBD-918D-4D84F888B3C4}" type="datetimeFigureOut">
               <a:rPr lang="ko-KR" altLang="en-US" smtClean="0"/>
-              <a:t>2021-10-06</a:t>
+              <a:t>2021-10-08</a:t>
             </a:fld>
             <a:endParaRPr lang="ko-KR" altLang="en-US"/>
           </a:p>
@@ -1828,7 +1827,7 @@
           <a:p>
             <a:fld id="{C04DFA87-68E3-4FBD-918D-4D84F888B3C4}" type="datetimeFigureOut">
               <a:rPr lang="ko-KR" altLang="en-US" smtClean="0"/>
-              <a:t>2021-10-06</a:t>
+              <a:t>2021-10-08</a:t>
             </a:fld>
             <a:endParaRPr lang="ko-KR" altLang="en-US"/>
           </a:p>
@@ -2105,7 +2104,7 @@
           <a:p>
             <a:fld id="{C04DFA87-68E3-4FBD-918D-4D84F888B3C4}" type="datetimeFigureOut">
               <a:rPr lang="ko-KR" altLang="en-US" smtClean="0"/>
-              <a:t>2021-10-06</a:t>
+              <a:t>2021-10-08</a:t>
             </a:fld>
             <a:endParaRPr lang="ko-KR" altLang="en-US"/>
           </a:p>
@@ -2362,7 +2361,7 @@
           <a:p>
             <a:fld id="{C04DFA87-68E3-4FBD-918D-4D84F888B3C4}" type="datetimeFigureOut">
               <a:rPr lang="ko-KR" altLang="en-US" smtClean="0"/>
-              <a:t>2021-10-06</a:t>
+              <a:t>2021-10-08</a:t>
             </a:fld>
             <a:endParaRPr lang="ko-KR" altLang="en-US"/>
           </a:p>
@@ -2575,7 +2574,7 @@
           <a:p>
             <a:fld id="{C04DFA87-68E3-4FBD-918D-4D84F888B3C4}" type="datetimeFigureOut">
               <a:rPr lang="ko-KR" altLang="en-US" smtClean="0"/>
-              <a:t>2021-10-06</a:t>
+              <a:t>2021-10-08</a:t>
             </a:fld>
             <a:endParaRPr lang="ko-KR" altLang="en-US"/>
           </a:p>
@@ -2982,10 +2981,10 @@
       </p:grpSpPr>
       <p:grpSp>
         <p:nvGrpSpPr>
-          <p:cNvPr id="42" name="그룹 41">
+          <p:cNvPr id="116" name="그룹 115">
             <a:extLst>
               <a:ext uri="{FF2B5EF4-FFF2-40B4-BE49-F238E27FC236}">
-                <a16:creationId xmlns:a16="http://schemas.microsoft.com/office/drawing/2014/main" id="{FBCFCD60-2E6B-403C-AABC-5BD9B52A38C5}"/>
+                <a16:creationId xmlns:a16="http://schemas.microsoft.com/office/drawing/2014/main" id="{16EF6D27-1E87-45C0-8036-C646A698F92B}"/>
               </a:ext>
             </a:extLst>
           </p:cNvPr>
@@ -2994,1338 +2993,809 @@
         </p:nvGrpSpPr>
         <p:grpSpPr>
           <a:xfrm>
-            <a:off x="1636106" y="1650970"/>
-            <a:ext cx="11128000" cy="7497825"/>
-            <a:chOff x="532000" y="63388"/>
-            <a:chExt cx="11128000" cy="7497825"/>
+            <a:off x="-8600" y="143953"/>
+            <a:ext cx="14408813" cy="10511859"/>
+            <a:chOff x="-8600" y="143953"/>
+            <a:chExt cx="14408813" cy="10511859"/>
           </a:xfrm>
         </p:grpSpPr>
-        <p:grpSp>
-          <p:nvGrpSpPr>
-            <p:cNvPr id="40" name="그룹 39">
+        <p:pic>
+          <p:nvPicPr>
+            <p:cNvPr id="75" name="그림 74">
               <a:extLst>
                 <a:ext uri="{FF2B5EF4-FFF2-40B4-BE49-F238E27FC236}">
-                  <a16:creationId xmlns:a16="http://schemas.microsoft.com/office/drawing/2014/main" id="{91AF873A-7F2A-4875-BDD2-873B8CF59A6E}"/>
+                  <a16:creationId xmlns:a16="http://schemas.microsoft.com/office/drawing/2014/main" id="{8BBCF433-CF02-47AB-9ED8-18DB71433C11}"/>
                 </a:ext>
               </a:extLst>
             </p:cNvPr>
-            <p:cNvGrpSpPr/>
+            <p:cNvPicPr>
+              <a:picLocks noChangeAspect="1"/>
+            </p:cNvPicPr>
             <p:nvPr/>
-          </p:nvGrpSpPr>
-          <p:grpSpPr>
+          </p:nvPicPr>
+          <p:blipFill>
+            <a:blip r:embed="rId2">
+              <a:extLst>
+                <a:ext uri="{28A0092B-C50C-407E-A947-70E740481C1C}">
+                  <a14:useLocalDpi xmlns:a14="http://schemas.microsoft.com/office/drawing/2010/main" val="0"/>
+                </a:ext>
+              </a:extLst>
+            </a:blip>
+            <a:stretch>
+              <a:fillRect/>
+            </a:stretch>
+          </p:blipFill>
+          <p:spPr>
             <a:xfrm>
-              <a:off x="532000" y="3861938"/>
-              <a:ext cx="11128000" cy="1800000"/>
-              <a:chOff x="532000" y="3646888"/>
-              <a:chExt cx="11128000" cy="1800000"/>
+              <a:off x="0" y="5471859"/>
+              <a:ext cx="2520000" cy="2520000"/>
             </a:xfrm>
-          </p:grpSpPr>
-          <p:pic>
-            <p:nvPicPr>
-              <p:cNvPr id="9" name="그림 8" descr="시계이(가) 표시된 사진&#10;&#10;자동 생성된 설명">
-                <a:extLst>
-                  <a:ext uri="{FF2B5EF4-FFF2-40B4-BE49-F238E27FC236}">
-                    <a16:creationId xmlns:a16="http://schemas.microsoft.com/office/drawing/2014/main" id="{CEE08FFB-CD9C-4A8E-8DA4-77F81EAA8F03}"/>
-                  </a:ext>
-                </a:extLst>
-              </p:cNvPr>
-              <p:cNvPicPr>
-                <a:picLocks noChangeAspect="1"/>
-              </p:cNvPicPr>
-              <p:nvPr/>
-            </p:nvPicPr>
-            <p:blipFill>
-              <a:blip r:embed="rId2">
-                <a:extLst>
-                  <a:ext uri="{28A0092B-C50C-407E-A947-70E740481C1C}">
-                    <a14:useLocalDpi xmlns:a14="http://schemas.microsoft.com/office/drawing/2010/main" val="0"/>
-                  </a:ext>
-                </a:extLst>
-              </a:blip>
-              <a:stretch>
-                <a:fillRect/>
-              </a:stretch>
-            </p:blipFill>
-            <p:spPr>
-              <a:xfrm>
-                <a:off x="532000" y="3646888"/>
-                <a:ext cx="1800000" cy="1800000"/>
-              </a:xfrm>
-              <a:prstGeom prst="rect">
-                <a:avLst/>
-              </a:prstGeom>
-            </p:spPr>
-          </p:pic>
-          <p:pic>
-            <p:nvPicPr>
-              <p:cNvPr id="11" name="그림 10" descr="시계이(가) 표시된 사진&#10;&#10;자동 생성된 설명">
-                <a:extLst>
-                  <a:ext uri="{FF2B5EF4-FFF2-40B4-BE49-F238E27FC236}">
-                    <a16:creationId xmlns:a16="http://schemas.microsoft.com/office/drawing/2014/main" id="{77E01ED5-FA6D-40EA-B67F-961F813D0871}"/>
-                  </a:ext>
-                </a:extLst>
-              </p:cNvPr>
-              <p:cNvPicPr>
-                <a:picLocks noChangeAspect="1"/>
-              </p:cNvPicPr>
-              <p:nvPr/>
-            </p:nvPicPr>
-            <p:blipFill>
-              <a:blip r:embed="rId3">
-                <a:extLst>
-                  <a:ext uri="{28A0092B-C50C-407E-A947-70E740481C1C}">
-                    <a14:useLocalDpi xmlns:a14="http://schemas.microsoft.com/office/drawing/2010/main" val="0"/>
-                  </a:ext>
-                </a:extLst>
-              </a:blip>
-              <a:stretch>
-                <a:fillRect/>
-              </a:stretch>
-            </p:blipFill>
-            <p:spPr>
-              <a:xfrm>
-                <a:off x="2864000" y="3646888"/>
-                <a:ext cx="1800000" cy="1800000"/>
-              </a:xfrm>
-              <a:prstGeom prst="rect">
-                <a:avLst/>
-              </a:prstGeom>
-            </p:spPr>
-          </p:pic>
-          <p:pic>
-            <p:nvPicPr>
-              <p:cNvPr id="13" name="그림 12" descr="시계이(가) 표시된 사진&#10;&#10;자동 생성된 설명">
-                <a:extLst>
-                  <a:ext uri="{FF2B5EF4-FFF2-40B4-BE49-F238E27FC236}">
-                    <a16:creationId xmlns:a16="http://schemas.microsoft.com/office/drawing/2014/main" id="{93830989-BE3F-4468-A87C-BB5407631FF7}"/>
-                  </a:ext>
-                </a:extLst>
-              </p:cNvPr>
-              <p:cNvPicPr>
-                <a:picLocks noChangeAspect="1"/>
-              </p:cNvPicPr>
-              <p:nvPr/>
-            </p:nvPicPr>
-            <p:blipFill>
-              <a:blip r:embed="rId4">
-                <a:extLst>
-                  <a:ext uri="{28A0092B-C50C-407E-A947-70E740481C1C}">
-                    <a14:useLocalDpi xmlns:a14="http://schemas.microsoft.com/office/drawing/2010/main" val="0"/>
-                  </a:ext>
-                </a:extLst>
-              </a:blip>
-              <a:stretch>
-                <a:fillRect/>
-              </a:stretch>
-            </p:blipFill>
-            <p:spPr>
-              <a:xfrm>
-                <a:off x="5196000" y="3646888"/>
-                <a:ext cx="1800000" cy="1800000"/>
-              </a:xfrm>
-              <a:prstGeom prst="rect">
-                <a:avLst/>
-              </a:prstGeom>
-            </p:spPr>
-          </p:pic>
-          <p:pic>
-            <p:nvPicPr>
-              <p:cNvPr id="15" name="그림 14" descr="시계이(가) 표시된 사진&#10;&#10;자동 생성된 설명">
-                <a:extLst>
-                  <a:ext uri="{FF2B5EF4-FFF2-40B4-BE49-F238E27FC236}">
-                    <a16:creationId xmlns:a16="http://schemas.microsoft.com/office/drawing/2014/main" id="{F4FF59CE-9504-4FEB-AC57-504F7FFFCA68}"/>
-                  </a:ext>
-                </a:extLst>
-              </p:cNvPr>
-              <p:cNvPicPr>
-                <a:picLocks noChangeAspect="1"/>
-              </p:cNvPicPr>
-              <p:nvPr/>
-            </p:nvPicPr>
-            <p:blipFill>
-              <a:blip r:embed="rId5">
-                <a:extLst>
-                  <a:ext uri="{28A0092B-C50C-407E-A947-70E740481C1C}">
-                    <a14:useLocalDpi xmlns:a14="http://schemas.microsoft.com/office/drawing/2010/main" val="0"/>
-                  </a:ext>
-                </a:extLst>
-              </a:blip>
-              <a:stretch>
-                <a:fillRect/>
-              </a:stretch>
-            </p:blipFill>
-            <p:spPr>
-              <a:xfrm>
-                <a:off x="7528000" y="3646888"/>
-                <a:ext cx="1800000" cy="1800000"/>
-              </a:xfrm>
-              <a:prstGeom prst="rect">
-                <a:avLst/>
-              </a:prstGeom>
-            </p:spPr>
-          </p:pic>
-          <p:pic>
-            <p:nvPicPr>
-              <p:cNvPr id="17" name="그림 16">
-                <a:extLst>
-                  <a:ext uri="{FF2B5EF4-FFF2-40B4-BE49-F238E27FC236}">
-                    <a16:creationId xmlns:a16="http://schemas.microsoft.com/office/drawing/2014/main" id="{4B65D94D-FCAB-4BF3-AD12-6CACA226509D}"/>
-                  </a:ext>
-                </a:extLst>
-              </p:cNvPr>
-              <p:cNvPicPr>
-                <a:picLocks noChangeAspect="1"/>
-              </p:cNvPicPr>
-              <p:nvPr/>
-            </p:nvPicPr>
-            <p:blipFill>
-              <a:blip r:embed="rId6">
-                <a:extLst>
-                  <a:ext uri="{28A0092B-C50C-407E-A947-70E740481C1C}">
-                    <a14:useLocalDpi xmlns:a14="http://schemas.microsoft.com/office/drawing/2010/main" val="0"/>
-                  </a:ext>
-                </a:extLst>
-              </a:blip>
-              <a:stretch>
-                <a:fillRect/>
-              </a:stretch>
-            </p:blipFill>
-            <p:spPr>
-              <a:xfrm>
-                <a:off x="9860000" y="3646888"/>
-                <a:ext cx="1800000" cy="1800000"/>
-              </a:xfrm>
-              <a:prstGeom prst="rect">
-                <a:avLst/>
-              </a:prstGeom>
-            </p:spPr>
-          </p:pic>
-        </p:grpSp>
-        <p:grpSp>
-          <p:nvGrpSpPr>
-            <p:cNvPr id="41" name="그룹 40">
+            <a:prstGeom prst="rect">
+              <a:avLst/>
+            </a:prstGeom>
+          </p:spPr>
+        </p:pic>
+        <p:pic>
+          <p:nvPicPr>
+            <p:cNvPr id="77" name="그림 76">
               <a:extLst>
                 <a:ext uri="{FF2B5EF4-FFF2-40B4-BE49-F238E27FC236}">
-                  <a16:creationId xmlns:a16="http://schemas.microsoft.com/office/drawing/2014/main" id="{257751B7-4962-4856-8979-DE4AD128C4D3}"/>
+                  <a16:creationId xmlns:a16="http://schemas.microsoft.com/office/drawing/2014/main" id="{3C11E163-46E4-484F-A8BA-0872170C3965}"/>
                 </a:ext>
               </a:extLst>
             </p:cNvPr>
-            <p:cNvGrpSpPr/>
+            <p:cNvPicPr>
+              <a:picLocks noChangeAspect="1"/>
+            </p:cNvPicPr>
             <p:nvPr/>
-          </p:nvGrpSpPr>
-          <p:grpSpPr>
+          </p:nvPicPr>
+          <p:blipFill>
+            <a:blip r:embed="rId3">
+              <a:extLst>
+                <a:ext uri="{28A0092B-C50C-407E-A947-70E740481C1C}">
+                  <a14:useLocalDpi xmlns:a14="http://schemas.microsoft.com/office/drawing/2010/main" val="0"/>
+                </a:ext>
+              </a:extLst>
+            </a:blip>
+            <a:stretch>
+              <a:fillRect/>
+            </a:stretch>
+          </p:blipFill>
+          <p:spPr>
             <a:xfrm>
-              <a:off x="532000" y="5761213"/>
-              <a:ext cx="4132000" cy="1800000"/>
-              <a:chOff x="532000" y="5446888"/>
-              <a:chExt cx="4132000" cy="1800000"/>
+              <a:off x="2376043" y="5471859"/>
+              <a:ext cx="2520000" cy="2520000"/>
             </a:xfrm>
-          </p:grpSpPr>
-          <p:pic>
-            <p:nvPicPr>
-              <p:cNvPr id="19" name="그림 18">
-                <a:extLst>
-                  <a:ext uri="{FF2B5EF4-FFF2-40B4-BE49-F238E27FC236}">
-                    <a16:creationId xmlns:a16="http://schemas.microsoft.com/office/drawing/2014/main" id="{59C6C099-50B1-4F02-9F9E-AFA8CACB7A1E}"/>
-                  </a:ext>
-                </a:extLst>
-              </p:cNvPr>
-              <p:cNvPicPr>
-                <a:picLocks noChangeAspect="1"/>
-              </p:cNvPicPr>
-              <p:nvPr/>
-            </p:nvPicPr>
-            <p:blipFill>
-              <a:blip r:embed="rId7">
-                <a:extLst>
-                  <a:ext uri="{28A0092B-C50C-407E-A947-70E740481C1C}">
-                    <a14:useLocalDpi xmlns:a14="http://schemas.microsoft.com/office/drawing/2010/main" val="0"/>
-                  </a:ext>
-                </a:extLst>
-              </a:blip>
-              <a:stretch>
-                <a:fillRect/>
-              </a:stretch>
-            </p:blipFill>
-            <p:spPr>
-              <a:xfrm>
-                <a:off x="532000" y="5446888"/>
-                <a:ext cx="1800000" cy="1800000"/>
-              </a:xfrm>
-              <a:prstGeom prst="rect">
-                <a:avLst/>
-              </a:prstGeom>
-            </p:spPr>
-          </p:pic>
-          <p:pic>
-            <p:nvPicPr>
-              <p:cNvPr id="21" name="그림 20">
-                <a:extLst>
-                  <a:ext uri="{FF2B5EF4-FFF2-40B4-BE49-F238E27FC236}">
-                    <a16:creationId xmlns:a16="http://schemas.microsoft.com/office/drawing/2014/main" id="{E1E854DF-6A5D-44EE-B310-3AA5B3F5B601}"/>
-                  </a:ext>
-                </a:extLst>
-              </p:cNvPr>
-              <p:cNvPicPr>
-                <a:picLocks noChangeAspect="1"/>
-              </p:cNvPicPr>
-              <p:nvPr/>
-            </p:nvPicPr>
-            <p:blipFill>
-              <a:blip r:embed="rId8">
-                <a:extLst>
-                  <a:ext uri="{28A0092B-C50C-407E-A947-70E740481C1C}">
-                    <a14:useLocalDpi xmlns:a14="http://schemas.microsoft.com/office/drawing/2010/main" val="0"/>
-                  </a:ext>
-                </a:extLst>
-              </a:blip>
-              <a:stretch>
-                <a:fillRect/>
-              </a:stretch>
-            </p:blipFill>
-            <p:spPr>
-              <a:xfrm>
-                <a:off x="2864000" y="5446888"/>
-                <a:ext cx="1800000" cy="1800000"/>
-              </a:xfrm>
-              <a:prstGeom prst="rect">
-                <a:avLst/>
-              </a:prstGeom>
-            </p:spPr>
-          </p:pic>
-        </p:grpSp>
-        <p:grpSp>
-          <p:nvGrpSpPr>
-            <p:cNvPr id="38" name="그룹 37">
+            <a:prstGeom prst="rect">
+              <a:avLst/>
+            </a:prstGeom>
+          </p:spPr>
+        </p:pic>
+        <p:pic>
+          <p:nvPicPr>
+            <p:cNvPr id="79" name="그림 78">
               <a:extLst>
                 <a:ext uri="{FF2B5EF4-FFF2-40B4-BE49-F238E27FC236}">
-                  <a16:creationId xmlns:a16="http://schemas.microsoft.com/office/drawing/2014/main" id="{C802F817-939A-43D6-AD19-F44F4F21C2EA}"/>
+                  <a16:creationId xmlns:a16="http://schemas.microsoft.com/office/drawing/2014/main" id="{8B8FF367-BE90-466B-B9AB-DB0BC0A58B48}"/>
                 </a:ext>
               </a:extLst>
             </p:cNvPr>
-            <p:cNvGrpSpPr/>
+            <p:cNvPicPr>
+              <a:picLocks noChangeAspect="1"/>
+            </p:cNvPicPr>
             <p:nvPr/>
-          </p:nvGrpSpPr>
-          <p:grpSpPr>
+          </p:nvPicPr>
+          <p:blipFill>
+            <a:blip r:embed="rId4">
+              <a:extLst>
+                <a:ext uri="{28A0092B-C50C-407E-A947-70E740481C1C}">
+                  <a14:useLocalDpi xmlns:a14="http://schemas.microsoft.com/office/drawing/2010/main" val="0"/>
+                </a:ext>
+              </a:extLst>
+            </a:blip>
+            <a:stretch>
+              <a:fillRect/>
+            </a:stretch>
+          </p:blipFill>
+          <p:spPr>
             <a:xfrm>
-              <a:off x="532000" y="63388"/>
-              <a:ext cx="11128000" cy="1800000"/>
-              <a:chOff x="532000" y="63388"/>
-              <a:chExt cx="11128000" cy="1800000"/>
+              <a:off x="4752086" y="5471859"/>
+              <a:ext cx="2520000" cy="2520000"/>
             </a:xfrm>
-          </p:grpSpPr>
-          <p:pic>
-            <p:nvPicPr>
-              <p:cNvPr id="23" name="그림 22">
-                <a:extLst>
-                  <a:ext uri="{FF2B5EF4-FFF2-40B4-BE49-F238E27FC236}">
-                    <a16:creationId xmlns:a16="http://schemas.microsoft.com/office/drawing/2014/main" id="{9635DE26-BA49-4536-BED7-E1075D44FAC0}"/>
-                  </a:ext>
-                </a:extLst>
-              </p:cNvPr>
-              <p:cNvPicPr>
-                <a:picLocks noChangeAspect="1"/>
-              </p:cNvPicPr>
-              <p:nvPr/>
-            </p:nvPicPr>
-            <p:blipFill>
-              <a:blip r:embed="rId9">
-                <a:extLst>
-                  <a:ext uri="{28A0092B-C50C-407E-A947-70E740481C1C}">
-                    <a14:useLocalDpi xmlns:a14="http://schemas.microsoft.com/office/drawing/2010/main" val="0"/>
-                  </a:ext>
-                </a:extLst>
-              </a:blip>
-              <a:stretch>
-                <a:fillRect/>
-              </a:stretch>
-            </p:blipFill>
-            <p:spPr>
-              <a:xfrm>
-                <a:off x="532000" y="63388"/>
-                <a:ext cx="1800000" cy="1800000"/>
-              </a:xfrm>
-              <a:prstGeom prst="rect">
-                <a:avLst/>
-              </a:prstGeom>
-            </p:spPr>
-          </p:pic>
-          <p:pic>
-            <p:nvPicPr>
-              <p:cNvPr id="25" name="그림 24" descr="시계이(가) 표시된 사진&#10;&#10;자동 생성된 설명">
-                <a:extLst>
-                  <a:ext uri="{FF2B5EF4-FFF2-40B4-BE49-F238E27FC236}">
-                    <a16:creationId xmlns:a16="http://schemas.microsoft.com/office/drawing/2014/main" id="{57AA9783-F6C1-423D-9F64-F8E39E4D2F1D}"/>
-                  </a:ext>
-                </a:extLst>
-              </p:cNvPr>
-              <p:cNvPicPr>
-                <a:picLocks noChangeAspect="1"/>
-              </p:cNvPicPr>
-              <p:nvPr/>
-            </p:nvPicPr>
-            <p:blipFill>
-              <a:blip r:embed="rId10">
-                <a:extLst>
-                  <a:ext uri="{28A0092B-C50C-407E-A947-70E740481C1C}">
-                    <a14:useLocalDpi xmlns:a14="http://schemas.microsoft.com/office/drawing/2010/main" val="0"/>
-                  </a:ext>
-                </a:extLst>
-              </a:blip>
-              <a:stretch>
-                <a:fillRect/>
-              </a:stretch>
-            </p:blipFill>
-            <p:spPr>
-              <a:xfrm>
-                <a:off x="2864000" y="63388"/>
-                <a:ext cx="1800000" cy="1800000"/>
-              </a:xfrm>
-              <a:prstGeom prst="rect">
-                <a:avLst/>
-              </a:prstGeom>
-            </p:spPr>
-          </p:pic>
-          <p:pic>
-            <p:nvPicPr>
-              <p:cNvPr id="27" name="그림 26" descr="시계이(가) 표시된 사진&#10;&#10;자동 생성된 설명">
-                <a:extLst>
-                  <a:ext uri="{FF2B5EF4-FFF2-40B4-BE49-F238E27FC236}">
-                    <a16:creationId xmlns:a16="http://schemas.microsoft.com/office/drawing/2014/main" id="{53C38D0F-C13A-4163-9B76-F8A2BBC484E2}"/>
-                  </a:ext>
-                </a:extLst>
-              </p:cNvPr>
-              <p:cNvPicPr>
-                <a:picLocks noChangeAspect="1"/>
-              </p:cNvPicPr>
-              <p:nvPr/>
-            </p:nvPicPr>
-            <p:blipFill>
-              <a:blip r:embed="rId11">
-                <a:extLst>
-                  <a:ext uri="{28A0092B-C50C-407E-A947-70E740481C1C}">
-                    <a14:useLocalDpi xmlns:a14="http://schemas.microsoft.com/office/drawing/2010/main" val="0"/>
-                  </a:ext>
-                </a:extLst>
-              </a:blip>
-              <a:stretch>
-                <a:fillRect/>
-              </a:stretch>
-            </p:blipFill>
-            <p:spPr>
-              <a:xfrm>
-                <a:off x="5196000" y="63388"/>
-                <a:ext cx="1800000" cy="1800000"/>
-              </a:xfrm>
-              <a:prstGeom prst="rect">
-                <a:avLst/>
-              </a:prstGeom>
-            </p:spPr>
-          </p:pic>
-          <p:pic>
-            <p:nvPicPr>
-              <p:cNvPr id="29" name="그림 28" descr="시계이(가) 표시된 사진&#10;&#10;자동 생성된 설명">
-                <a:extLst>
-                  <a:ext uri="{FF2B5EF4-FFF2-40B4-BE49-F238E27FC236}">
-                    <a16:creationId xmlns:a16="http://schemas.microsoft.com/office/drawing/2014/main" id="{90F01D59-1819-4907-AAFC-285CFF25D670}"/>
-                  </a:ext>
-                </a:extLst>
-              </p:cNvPr>
-              <p:cNvPicPr>
-                <a:picLocks noChangeAspect="1"/>
-              </p:cNvPicPr>
-              <p:nvPr/>
-            </p:nvPicPr>
-            <p:blipFill>
-              <a:blip r:embed="rId12">
-                <a:extLst>
-                  <a:ext uri="{28A0092B-C50C-407E-A947-70E740481C1C}">
-                    <a14:useLocalDpi xmlns:a14="http://schemas.microsoft.com/office/drawing/2010/main" val="0"/>
-                  </a:ext>
-                </a:extLst>
-              </a:blip>
-              <a:stretch>
-                <a:fillRect/>
-              </a:stretch>
-            </p:blipFill>
-            <p:spPr>
-              <a:xfrm>
-                <a:off x="7528000" y="63388"/>
-                <a:ext cx="1800000" cy="1800000"/>
-              </a:xfrm>
-              <a:prstGeom prst="rect">
-                <a:avLst/>
-              </a:prstGeom>
-            </p:spPr>
-          </p:pic>
-          <p:pic>
-            <p:nvPicPr>
-              <p:cNvPr id="31" name="그림 30" descr="시계이(가) 표시된 사진&#10;&#10;자동 생성된 설명">
-                <a:extLst>
-                  <a:ext uri="{FF2B5EF4-FFF2-40B4-BE49-F238E27FC236}">
-                    <a16:creationId xmlns:a16="http://schemas.microsoft.com/office/drawing/2014/main" id="{DCFE9708-B7ED-4B27-8281-EA2E233D9F84}"/>
-                  </a:ext>
-                </a:extLst>
-              </p:cNvPr>
-              <p:cNvPicPr>
-                <a:picLocks noChangeAspect="1"/>
-              </p:cNvPicPr>
-              <p:nvPr/>
-            </p:nvPicPr>
-            <p:blipFill>
-              <a:blip r:embed="rId13">
-                <a:extLst>
-                  <a:ext uri="{28A0092B-C50C-407E-A947-70E740481C1C}">
-                    <a14:useLocalDpi xmlns:a14="http://schemas.microsoft.com/office/drawing/2010/main" val="0"/>
-                  </a:ext>
-                </a:extLst>
-              </a:blip>
-              <a:stretch>
-                <a:fillRect/>
-              </a:stretch>
-            </p:blipFill>
-            <p:spPr>
-              <a:xfrm>
-                <a:off x="9860000" y="63388"/>
-                <a:ext cx="1800000" cy="1800000"/>
-              </a:xfrm>
-              <a:prstGeom prst="rect">
-                <a:avLst/>
-              </a:prstGeom>
-            </p:spPr>
-          </p:pic>
-        </p:grpSp>
-        <p:grpSp>
-          <p:nvGrpSpPr>
-            <p:cNvPr id="39" name="그룹 38">
+            <a:prstGeom prst="rect">
+              <a:avLst/>
+            </a:prstGeom>
+          </p:spPr>
+        </p:pic>
+        <p:pic>
+          <p:nvPicPr>
+            <p:cNvPr id="81" name="그림 80">
               <a:extLst>
                 <a:ext uri="{FF2B5EF4-FFF2-40B4-BE49-F238E27FC236}">
-                  <a16:creationId xmlns:a16="http://schemas.microsoft.com/office/drawing/2014/main" id="{61015C8B-1185-49BD-ACBF-735B346789E3}"/>
+                  <a16:creationId xmlns:a16="http://schemas.microsoft.com/office/drawing/2014/main" id="{A64B0EBA-CA2E-4A6B-A08C-EE66F4C6552F}"/>
                 </a:ext>
               </a:extLst>
             </p:cNvPr>
-            <p:cNvGrpSpPr/>
+            <p:cNvPicPr>
+              <a:picLocks noChangeAspect="1"/>
+            </p:cNvPicPr>
             <p:nvPr/>
-          </p:nvGrpSpPr>
-          <p:grpSpPr>
+          </p:nvPicPr>
+          <p:blipFill>
+            <a:blip r:embed="rId5">
+              <a:extLst>
+                <a:ext uri="{28A0092B-C50C-407E-A947-70E740481C1C}">
+                  <a14:useLocalDpi xmlns:a14="http://schemas.microsoft.com/office/drawing/2010/main" val="0"/>
+                </a:ext>
+              </a:extLst>
+            </a:blip>
+            <a:stretch>
+              <a:fillRect/>
+            </a:stretch>
+          </p:blipFill>
+          <p:spPr>
             <a:xfrm>
-              <a:off x="532000" y="1962663"/>
-              <a:ext cx="11128000" cy="1800000"/>
-              <a:chOff x="532000" y="1863388"/>
-              <a:chExt cx="11128000" cy="1800000"/>
+              <a:off x="7128129" y="5471859"/>
+              <a:ext cx="2520000" cy="2520000"/>
             </a:xfrm>
-          </p:grpSpPr>
-          <p:pic>
-            <p:nvPicPr>
-              <p:cNvPr id="5" name="그림 4" descr="시계, 개체이(가) 표시된 사진&#10;&#10;자동 생성된 설명">
-                <a:extLst>
-                  <a:ext uri="{FF2B5EF4-FFF2-40B4-BE49-F238E27FC236}">
-                    <a16:creationId xmlns:a16="http://schemas.microsoft.com/office/drawing/2014/main" id="{490E101D-741D-41E6-BBE8-84A778CBE84A}"/>
-                  </a:ext>
-                </a:extLst>
-              </p:cNvPr>
-              <p:cNvPicPr>
-                <a:picLocks noChangeAspect="1"/>
-              </p:cNvPicPr>
-              <p:nvPr/>
-            </p:nvPicPr>
-            <p:blipFill>
-              <a:blip r:embed="rId14">
-                <a:extLst>
-                  <a:ext uri="{28A0092B-C50C-407E-A947-70E740481C1C}">
-                    <a14:useLocalDpi xmlns:a14="http://schemas.microsoft.com/office/drawing/2010/main" val="0"/>
-                  </a:ext>
-                </a:extLst>
-              </a:blip>
-              <a:stretch>
-                <a:fillRect/>
-              </a:stretch>
-            </p:blipFill>
-            <p:spPr>
-              <a:xfrm>
-                <a:off x="7528000" y="1863388"/>
-                <a:ext cx="1800000" cy="1800000"/>
-              </a:xfrm>
-              <a:prstGeom prst="rect">
-                <a:avLst/>
-              </a:prstGeom>
-            </p:spPr>
-          </p:pic>
-          <p:pic>
-            <p:nvPicPr>
-              <p:cNvPr id="7" name="그림 6" descr="시계이(가) 표시된 사진&#10;&#10;자동 생성된 설명">
-                <a:extLst>
-                  <a:ext uri="{FF2B5EF4-FFF2-40B4-BE49-F238E27FC236}">
-                    <a16:creationId xmlns:a16="http://schemas.microsoft.com/office/drawing/2014/main" id="{4B6E7700-ACC0-4713-9D78-657BF37D1252}"/>
-                  </a:ext>
-                </a:extLst>
-              </p:cNvPr>
-              <p:cNvPicPr>
-                <a:picLocks noChangeAspect="1"/>
-              </p:cNvPicPr>
-              <p:nvPr/>
-            </p:nvPicPr>
-            <p:blipFill>
-              <a:blip r:embed="rId15">
-                <a:extLst>
-                  <a:ext uri="{28A0092B-C50C-407E-A947-70E740481C1C}">
-                    <a14:useLocalDpi xmlns:a14="http://schemas.microsoft.com/office/drawing/2010/main" val="0"/>
-                  </a:ext>
-                </a:extLst>
-              </a:blip>
-              <a:stretch>
-                <a:fillRect/>
-              </a:stretch>
-            </p:blipFill>
-            <p:spPr>
-              <a:xfrm>
-                <a:off x="9860000" y="1863388"/>
-                <a:ext cx="1800000" cy="1800000"/>
-              </a:xfrm>
-              <a:prstGeom prst="rect">
-                <a:avLst/>
-              </a:prstGeom>
-            </p:spPr>
-          </p:pic>
-          <p:pic>
-            <p:nvPicPr>
-              <p:cNvPr id="33" name="그림 32" descr="시계이(가) 표시된 사진&#10;&#10;자동 생성된 설명">
-                <a:extLst>
-                  <a:ext uri="{FF2B5EF4-FFF2-40B4-BE49-F238E27FC236}">
-                    <a16:creationId xmlns:a16="http://schemas.microsoft.com/office/drawing/2014/main" id="{00C0A336-9F67-4D5F-B1FE-9752566B55D2}"/>
-                  </a:ext>
-                </a:extLst>
-              </p:cNvPr>
-              <p:cNvPicPr>
-                <a:picLocks noChangeAspect="1"/>
-              </p:cNvPicPr>
-              <p:nvPr/>
-            </p:nvPicPr>
-            <p:blipFill>
-              <a:blip r:embed="rId16">
-                <a:extLst>
-                  <a:ext uri="{28A0092B-C50C-407E-A947-70E740481C1C}">
-                    <a14:useLocalDpi xmlns:a14="http://schemas.microsoft.com/office/drawing/2010/main" val="0"/>
-                  </a:ext>
-                </a:extLst>
-              </a:blip>
-              <a:stretch>
-                <a:fillRect/>
-              </a:stretch>
-            </p:blipFill>
-            <p:spPr>
-              <a:xfrm>
-                <a:off x="532000" y="1863388"/>
-                <a:ext cx="1800000" cy="1800000"/>
-              </a:xfrm>
-              <a:prstGeom prst="rect">
-                <a:avLst/>
-              </a:prstGeom>
-            </p:spPr>
-          </p:pic>
-          <p:pic>
-            <p:nvPicPr>
-              <p:cNvPr id="35" name="그림 34" descr="시계이(가) 표시된 사진&#10;&#10;자동 생성된 설명">
-                <a:extLst>
-                  <a:ext uri="{FF2B5EF4-FFF2-40B4-BE49-F238E27FC236}">
-                    <a16:creationId xmlns:a16="http://schemas.microsoft.com/office/drawing/2014/main" id="{B21219B9-B5C6-4CB7-AB23-F6F628ECDAB5}"/>
-                  </a:ext>
-                </a:extLst>
-              </p:cNvPr>
-              <p:cNvPicPr>
-                <a:picLocks noChangeAspect="1"/>
-              </p:cNvPicPr>
-              <p:nvPr/>
-            </p:nvPicPr>
-            <p:blipFill>
-              <a:blip r:embed="rId17">
-                <a:extLst>
-                  <a:ext uri="{28A0092B-C50C-407E-A947-70E740481C1C}">
-                    <a14:useLocalDpi xmlns:a14="http://schemas.microsoft.com/office/drawing/2010/main" val="0"/>
-                  </a:ext>
-                </a:extLst>
-              </a:blip>
-              <a:stretch>
-                <a:fillRect/>
-              </a:stretch>
-            </p:blipFill>
-            <p:spPr>
-              <a:xfrm>
-                <a:off x="2864000" y="1863388"/>
-                <a:ext cx="1800000" cy="1800000"/>
-              </a:xfrm>
-              <a:prstGeom prst="rect">
-                <a:avLst/>
-              </a:prstGeom>
-            </p:spPr>
-          </p:pic>
-          <p:pic>
-            <p:nvPicPr>
-              <p:cNvPr id="37" name="그림 36" descr="시계이(가) 표시된 사진&#10;&#10;자동 생성된 설명">
-                <a:extLst>
-                  <a:ext uri="{FF2B5EF4-FFF2-40B4-BE49-F238E27FC236}">
-                    <a16:creationId xmlns:a16="http://schemas.microsoft.com/office/drawing/2014/main" id="{D39F6263-08B4-4556-A1E6-174DD91A81C8}"/>
-                  </a:ext>
-                </a:extLst>
-              </p:cNvPr>
-              <p:cNvPicPr>
-                <a:picLocks noChangeAspect="1"/>
-              </p:cNvPicPr>
-              <p:nvPr/>
-            </p:nvPicPr>
-            <p:blipFill>
-              <a:blip r:embed="rId18">
-                <a:extLst>
-                  <a:ext uri="{28A0092B-C50C-407E-A947-70E740481C1C}">
-                    <a14:useLocalDpi xmlns:a14="http://schemas.microsoft.com/office/drawing/2010/main" val="0"/>
-                  </a:ext>
-                </a:extLst>
-              </a:blip>
-              <a:stretch>
-                <a:fillRect/>
-              </a:stretch>
-            </p:blipFill>
-            <p:spPr>
-              <a:xfrm>
-                <a:off x="5196000" y="1863388"/>
-                <a:ext cx="1800000" cy="1800000"/>
-              </a:xfrm>
-              <a:prstGeom prst="rect">
-                <a:avLst/>
-              </a:prstGeom>
-            </p:spPr>
-          </p:pic>
-        </p:grpSp>
+            <a:prstGeom prst="rect">
+              <a:avLst/>
+            </a:prstGeom>
+          </p:spPr>
+        </p:pic>
+        <p:pic>
+          <p:nvPicPr>
+            <p:cNvPr id="83" name="그림 82">
+              <a:extLst>
+                <a:ext uri="{FF2B5EF4-FFF2-40B4-BE49-F238E27FC236}">
+                  <a16:creationId xmlns:a16="http://schemas.microsoft.com/office/drawing/2014/main" id="{9A70D66C-C427-408F-977A-BA3EF8049445}"/>
+                </a:ext>
+              </a:extLst>
+            </p:cNvPr>
+            <p:cNvPicPr>
+              <a:picLocks noChangeAspect="1"/>
+            </p:cNvPicPr>
+            <p:nvPr/>
+          </p:nvPicPr>
+          <p:blipFill>
+            <a:blip r:embed="rId6">
+              <a:extLst>
+                <a:ext uri="{28A0092B-C50C-407E-A947-70E740481C1C}">
+                  <a14:useLocalDpi xmlns:a14="http://schemas.microsoft.com/office/drawing/2010/main" val="0"/>
+                </a:ext>
+              </a:extLst>
+            </a:blip>
+            <a:stretch>
+              <a:fillRect/>
+            </a:stretch>
+          </p:blipFill>
+          <p:spPr>
+            <a:xfrm>
+              <a:off x="9504172" y="5471859"/>
+              <a:ext cx="2520000" cy="2520000"/>
+            </a:xfrm>
+            <a:prstGeom prst="rect">
+              <a:avLst/>
+            </a:prstGeom>
+          </p:spPr>
+        </p:pic>
+        <p:pic>
+          <p:nvPicPr>
+            <p:cNvPr id="85" name="그림 84">
+              <a:extLst>
+                <a:ext uri="{FF2B5EF4-FFF2-40B4-BE49-F238E27FC236}">
+                  <a16:creationId xmlns:a16="http://schemas.microsoft.com/office/drawing/2014/main" id="{02C707A8-765C-4099-B13A-2C29784418A3}"/>
+                </a:ext>
+              </a:extLst>
+            </p:cNvPr>
+            <p:cNvPicPr>
+              <a:picLocks noChangeAspect="1"/>
+            </p:cNvPicPr>
+            <p:nvPr/>
+          </p:nvPicPr>
+          <p:blipFill>
+            <a:blip r:embed="rId7">
+              <a:extLst>
+                <a:ext uri="{28A0092B-C50C-407E-A947-70E740481C1C}">
+                  <a14:useLocalDpi xmlns:a14="http://schemas.microsoft.com/office/drawing/2010/main" val="0"/>
+                </a:ext>
+              </a:extLst>
+            </a:blip>
+            <a:stretch>
+              <a:fillRect/>
+            </a:stretch>
+          </p:blipFill>
+          <p:spPr>
+            <a:xfrm>
+              <a:off x="11880213" y="5471859"/>
+              <a:ext cx="2520000" cy="2520000"/>
+            </a:xfrm>
+            <a:prstGeom prst="rect">
+              <a:avLst/>
+            </a:prstGeom>
+          </p:spPr>
+        </p:pic>
+        <p:pic>
+          <p:nvPicPr>
+            <p:cNvPr id="87" name="그림 86">
+              <a:extLst>
+                <a:ext uri="{FF2B5EF4-FFF2-40B4-BE49-F238E27FC236}">
+                  <a16:creationId xmlns:a16="http://schemas.microsoft.com/office/drawing/2014/main" id="{7A31A933-FC52-4296-9825-771852980D50}"/>
+                </a:ext>
+              </a:extLst>
+            </p:cNvPr>
+            <p:cNvPicPr>
+              <a:picLocks noChangeAspect="1"/>
+            </p:cNvPicPr>
+            <p:nvPr/>
+          </p:nvPicPr>
+          <p:blipFill>
+            <a:blip r:embed="rId8">
+              <a:extLst>
+                <a:ext uri="{28A0092B-C50C-407E-A947-70E740481C1C}">
+                  <a14:useLocalDpi xmlns:a14="http://schemas.microsoft.com/office/drawing/2010/main" val="0"/>
+                </a:ext>
+              </a:extLst>
+            </a:blip>
+            <a:stretch>
+              <a:fillRect/>
+            </a:stretch>
+          </p:blipFill>
+          <p:spPr>
+            <a:xfrm>
+              <a:off x="-8600" y="8135812"/>
+              <a:ext cx="2520000" cy="2520000"/>
+            </a:xfrm>
+            <a:prstGeom prst="rect">
+              <a:avLst/>
+            </a:prstGeom>
+          </p:spPr>
+        </p:pic>
+        <p:pic>
+          <p:nvPicPr>
+            <p:cNvPr id="89" name="그림 88">
+              <a:extLst>
+                <a:ext uri="{FF2B5EF4-FFF2-40B4-BE49-F238E27FC236}">
+                  <a16:creationId xmlns:a16="http://schemas.microsoft.com/office/drawing/2014/main" id="{C0E1A24F-A3D0-4C25-93B3-2AE77F370080}"/>
+                </a:ext>
+              </a:extLst>
+            </p:cNvPr>
+            <p:cNvPicPr>
+              <a:picLocks noChangeAspect="1"/>
+            </p:cNvPicPr>
+            <p:nvPr/>
+          </p:nvPicPr>
+          <p:blipFill>
+            <a:blip r:embed="rId9">
+              <a:extLst>
+                <a:ext uri="{28A0092B-C50C-407E-A947-70E740481C1C}">
+                  <a14:useLocalDpi xmlns:a14="http://schemas.microsoft.com/office/drawing/2010/main" val="0"/>
+                </a:ext>
+              </a:extLst>
+            </a:blip>
+            <a:stretch>
+              <a:fillRect/>
+            </a:stretch>
+          </p:blipFill>
+          <p:spPr>
+            <a:xfrm>
+              <a:off x="2370310" y="8135812"/>
+              <a:ext cx="2520000" cy="2520000"/>
+            </a:xfrm>
+            <a:prstGeom prst="rect">
+              <a:avLst/>
+            </a:prstGeom>
+          </p:spPr>
+        </p:pic>
+        <p:pic>
+          <p:nvPicPr>
+            <p:cNvPr id="91" name="그림 90">
+              <a:extLst>
+                <a:ext uri="{FF2B5EF4-FFF2-40B4-BE49-F238E27FC236}">
+                  <a16:creationId xmlns:a16="http://schemas.microsoft.com/office/drawing/2014/main" id="{2CC9C398-576A-483F-AE45-147078372C88}"/>
+                </a:ext>
+              </a:extLst>
+            </p:cNvPr>
+            <p:cNvPicPr>
+              <a:picLocks noChangeAspect="1"/>
+            </p:cNvPicPr>
+            <p:nvPr/>
+          </p:nvPicPr>
+          <p:blipFill>
+            <a:blip r:embed="rId10">
+              <a:extLst>
+                <a:ext uri="{28A0092B-C50C-407E-A947-70E740481C1C}">
+                  <a14:useLocalDpi xmlns:a14="http://schemas.microsoft.com/office/drawing/2010/main" val="0"/>
+                </a:ext>
+              </a:extLst>
+            </a:blip>
+            <a:stretch>
+              <a:fillRect/>
+            </a:stretch>
+          </p:blipFill>
+          <p:spPr>
+            <a:xfrm>
+              <a:off x="4749220" y="8135812"/>
+              <a:ext cx="2520000" cy="2520000"/>
+            </a:xfrm>
+            <a:prstGeom prst="rect">
+              <a:avLst/>
+            </a:prstGeom>
+          </p:spPr>
+        </p:pic>
+        <p:pic>
+          <p:nvPicPr>
+            <p:cNvPr id="93" name="그림 92">
+              <a:extLst>
+                <a:ext uri="{FF2B5EF4-FFF2-40B4-BE49-F238E27FC236}">
+                  <a16:creationId xmlns:a16="http://schemas.microsoft.com/office/drawing/2014/main" id="{DD42303D-773C-4C4F-94D0-7585092B3EA8}"/>
+                </a:ext>
+              </a:extLst>
+            </p:cNvPr>
+            <p:cNvPicPr>
+              <a:picLocks noChangeAspect="1"/>
+            </p:cNvPicPr>
+            <p:nvPr/>
+          </p:nvPicPr>
+          <p:blipFill>
+            <a:blip r:embed="rId11">
+              <a:extLst>
+                <a:ext uri="{28A0092B-C50C-407E-A947-70E740481C1C}">
+                  <a14:useLocalDpi xmlns:a14="http://schemas.microsoft.com/office/drawing/2010/main" val="0"/>
+                </a:ext>
+              </a:extLst>
+            </a:blip>
+            <a:stretch>
+              <a:fillRect/>
+            </a:stretch>
+          </p:blipFill>
+          <p:spPr>
+            <a:xfrm>
+              <a:off x="7128129" y="8135812"/>
+              <a:ext cx="2520000" cy="2520000"/>
+            </a:xfrm>
+            <a:prstGeom prst="rect">
+              <a:avLst/>
+            </a:prstGeom>
+          </p:spPr>
+        </p:pic>
+        <p:pic>
+          <p:nvPicPr>
+            <p:cNvPr id="95" name="그림 94">
+              <a:extLst>
+                <a:ext uri="{FF2B5EF4-FFF2-40B4-BE49-F238E27FC236}">
+                  <a16:creationId xmlns:a16="http://schemas.microsoft.com/office/drawing/2014/main" id="{468E3B93-4DF3-4647-AE29-74552BD59176}"/>
+                </a:ext>
+              </a:extLst>
+            </p:cNvPr>
+            <p:cNvPicPr>
+              <a:picLocks noChangeAspect="1"/>
+            </p:cNvPicPr>
+            <p:nvPr/>
+          </p:nvPicPr>
+          <p:blipFill>
+            <a:blip r:embed="rId12">
+              <a:extLst>
+                <a:ext uri="{28A0092B-C50C-407E-A947-70E740481C1C}">
+                  <a14:useLocalDpi xmlns:a14="http://schemas.microsoft.com/office/drawing/2010/main" val="0"/>
+                </a:ext>
+              </a:extLst>
+            </a:blip>
+            <a:stretch>
+              <a:fillRect/>
+            </a:stretch>
+          </p:blipFill>
+          <p:spPr>
+            <a:xfrm>
+              <a:off x="0" y="143953"/>
+              <a:ext cx="2520000" cy="2520000"/>
+            </a:xfrm>
+            <a:prstGeom prst="rect">
+              <a:avLst/>
+            </a:prstGeom>
+          </p:spPr>
+        </p:pic>
+        <p:pic>
+          <p:nvPicPr>
+            <p:cNvPr id="97" name="그림 96">
+              <a:extLst>
+                <a:ext uri="{FF2B5EF4-FFF2-40B4-BE49-F238E27FC236}">
+                  <a16:creationId xmlns:a16="http://schemas.microsoft.com/office/drawing/2014/main" id="{544827B2-5333-421A-A669-6AE2005A9B07}"/>
+                </a:ext>
+              </a:extLst>
+            </p:cNvPr>
+            <p:cNvPicPr>
+              <a:picLocks noChangeAspect="1"/>
+            </p:cNvPicPr>
+            <p:nvPr/>
+          </p:nvPicPr>
+          <p:blipFill>
+            <a:blip r:embed="rId13">
+              <a:extLst>
+                <a:ext uri="{28A0092B-C50C-407E-A947-70E740481C1C}">
+                  <a14:useLocalDpi xmlns:a14="http://schemas.microsoft.com/office/drawing/2010/main" val="0"/>
+                </a:ext>
+              </a:extLst>
+            </a:blip>
+            <a:stretch>
+              <a:fillRect/>
+            </a:stretch>
+          </p:blipFill>
+          <p:spPr>
+            <a:xfrm>
+              <a:off x="2376043" y="143953"/>
+              <a:ext cx="2520000" cy="2520000"/>
+            </a:xfrm>
+            <a:prstGeom prst="rect">
+              <a:avLst/>
+            </a:prstGeom>
+          </p:spPr>
+        </p:pic>
+        <p:pic>
+          <p:nvPicPr>
+            <p:cNvPr id="99" name="그림 98">
+              <a:extLst>
+                <a:ext uri="{FF2B5EF4-FFF2-40B4-BE49-F238E27FC236}">
+                  <a16:creationId xmlns:a16="http://schemas.microsoft.com/office/drawing/2014/main" id="{363F2198-ABCA-4064-8707-6F54863B9CDB}"/>
+                </a:ext>
+              </a:extLst>
+            </p:cNvPr>
+            <p:cNvPicPr>
+              <a:picLocks noChangeAspect="1"/>
+            </p:cNvPicPr>
+            <p:nvPr/>
+          </p:nvPicPr>
+          <p:blipFill>
+            <a:blip r:embed="rId14">
+              <a:extLst>
+                <a:ext uri="{28A0092B-C50C-407E-A947-70E740481C1C}">
+                  <a14:useLocalDpi xmlns:a14="http://schemas.microsoft.com/office/drawing/2010/main" val="0"/>
+                </a:ext>
+              </a:extLst>
+            </a:blip>
+            <a:stretch>
+              <a:fillRect/>
+            </a:stretch>
+          </p:blipFill>
+          <p:spPr>
+            <a:xfrm>
+              <a:off x="4752086" y="143953"/>
+              <a:ext cx="2520000" cy="2520000"/>
+            </a:xfrm>
+            <a:prstGeom prst="rect">
+              <a:avLst/>
+            </a:prstGeom>
+          </p:spPr>
+        </p:pic>
+        <p:pic>
+          <p:nvPicPr>
+            <p:cNvPr id="101" name="그림 100">
+              <a:extLst>
+                <a:ext uri="{FF2B5EF4-FFF2-40B4-BE49-F238E27FC236}">
+                  <a16:creationId xmlns:a16="http://schemas.microsoft.com/office/drawing/2014/main" id="{653DCBD8-8EEB-4710-A55B-106AD31033D0}"/>
+                </a:ext>
+              </a:extLst>
+            </p:cNvPr>
+            <p:cNvPicPr>
+              <a:picLocks noChangeAspect="1"/>
+            </p:cNvPicPr>
+            <p:nvPr/>
+          </p:nvPicPr>
+          <p:blipFill>
+            <a:blip r:embed="rId15">
+              <a:extLst>
+                <a:ext uri="{28A0092B-C50C-407E-A947-70E740481C1C}">
+                  <a14:useLocalDpi xmlns:a14="http://schemas.microsoft.com/office/drawing/2010/main" val="0"/>
+                </a:ext>
+              </a:extLst>
+            </a:blip>
+            <a:stretch>
+              <a:fillRect/>
+            </a:stretch>
+          </p:blipFill>
+          <p:spPr>
+            <a:xfrm>
+              <a:off x="7128129" y="143953"/>
+              <a:ext cx="2520000" cy="2520000"/>
+            </a:xfrm>
+            <a:prstGeom prst="rect">
+              <a:avLst/>
+            </a:prstGeom>
+          </p:spPr>
+        </p:pic>
+        <p:pic>
+          <p:nvPicPr>
+            <p:cNvPr id="103" name="그림 102">
+              <a:extLst>
+                <a:ext uri="{FF2B5EF4-FFF2-40B4-BE49-F238E27FC236}">
+                  <a16:creationId xmlns:a16="http://schemas.microsoft.com/office/drawing/2014/main" id="{64E9EAE6-DD98-4BE6-87B5-E0FFC700B0E1}"/>
+                </a:ext>
+              </a:extLst>
+            </p:cNvPr>
+            <p:cNvPicPr>
+              <a:picLocks noChangeAspect="1"/>
+            </p:cNvPicPr>
+            <p:nvPr/>
+          </p:nvPicPr>
+          <p:blipFill>
+            <a:blip r:embed="rId16">
+              <a:extLst>
+                <a:ext uri="{28A0092B-C50C-407E-A947-70E740481C1C}">
+                  <a14:useLocalDpi xmlns:a14="http://schemas.microsoft.com/office/drawing/2010/main" val="0"/>
+                </a:ext>
+              </a:extLst>
+            </a:blip>
+            <a:stretch>
+              <a:fillRect/>
+            </a:stretch>
+          </p:blipFill>
+          <p:spPr>
+            <a:xfrm>
+              <a:off x="9504172" y="143953"/>
+              <a:ext cx="2520000" cy="2520000"/>
+            </a:xfrm>
+            <a:prstGeom prst="rect">
+              <a:avLst/>
+            </a:prstGeom>
+          </p:spPr>
+        </p:pic>
+        <p:pic>
+          <p:nvPicPr>
+            <p:cNvPr id="105" name="그림 104">
+              <a:extLst>
+                <a:ext uri="{FF2B5EF4-FFF2-40B4-BE49-F238E27FC236}">
+                  <a16:creationId xmlns:a16="http://schemas.microsoft.com/office/drawing/2014/main" id="{364304EC-AC01-4DE1-B5CC-AAD512C81C6C}"/>
+                </a:ext>
+              </a:extLst>
+            </p:cNvPr>
+            <p:cNvPicPr>
+              <a:picLocks noChangeAspect="1"/>
+            </p:cNvPicPr>
+            <p:nvPr/>
+          </p:nvPicPr>
+          <p:blipFill>
+            <a:blip r:embed="rId17">
+              <a:extLst>
+                <a:ext uri="{28A0092B-C50C-407E-A947-70E740481C1C}">
+                  <a14:useLocalDpi xmlns:a14="http://schemas.microsoft.com/office/drawing/2010/main" val="0"/>
+                </a:ext>
+              </a:extLst>
+            </a:blip>
+            <a:stretch>
+              <a:fillRect/>
+            </a:stretch>
+          </p:blipFill>
+          <p:spPr>
+            <a:xfrm>
+              <a:off x="11880213" y="143953"/>
+              <a:ext cx="2520000" cy="2520000"/>
+            </a:xfrm>
+            <a:prstGeom prst="rect">
+              <a:avLst/>
+            </a:prstGeom>
+          </p:spPr>
+        </p:pic>
+        <p:pic>
+          <p:nvPicPr>
+            <p:cNvPr id="69" name="그림 68">
+              <a:extLst>
+                <a:ext uri="{FF2B5EF4-FFF2-40B4-BE49-F238E27FC236}">
+                  <a16:creationId xmlns:a16="http://schemas.microsoft.com/office/drawing/2014/main" id="{D65F0969-F417-4057-845E-2519B2D67A34}"/>
+                </a:ext>
+              </a:extLst>
+            </p:cNvPr>
+            <p:cNvPicPr>
+              <a:picLocks noChangeAspect="1"/>
+            </p:cNvPicPr>
+            <p:nvPr/>
+          </p:nvPicPr>
+          <p:blipFill>
+            <a:blip r:embed="rId18">
+              <a:extLst>
+                <a:ext uri="{28A0092B-C50C-407E-A947-70E740481C1C}">
+                  <a14:useLocalDpi xmlns:a14="http://schemas.microsoft.com/office/drawing/2010/main" val="0"/>
+                </a:ext>
+              </a:extLst>
+            </a:blip>
+            <a:stretch>
+              <a:fillRect/>
+            </a:stretch>
+          </p:blipFill>
+          <p:spPr>
+            <a:xfrm>
+              <a:off x="7128129" y="2807906"/>
+              <a:ext cx="2520000" cy="2520000"/>
+            </a:xfrm>
+            <a:prstGeom prst="rect">
+              <a:avLst/>
+            </a:prstGeom>
+          </p:spPr>
+        </p:pic>
+        <p:pic>
+          <p:nvPicPr>
+            <p:cNvPr id="71" name="그림 70">
+              <a:extLst>
+                <a:ext uri="{FF2B5EF4-FFF2-40B4-BE49-F238E27FC236}">
+                  <a16:creationId xmlns:a16="http://schemas.microsoft.com/office/drawing/2014/main" id="{B536489E-6D36-40EF-BB85-35EC8062E944}"/>
+                </a:ext>
+              </a:extLst>
+            </p:cNvPr>
+            <p:cNvPicPr>
+              <a:picLocks noChangeAspect="1"/>
+            </p:cNvPicPr>
+            <p:nvPr/>
+          </p:nvPicPr>
+          <p:blipFill>
+            <a:blip r:embed="rId19">
+              <a:extLst>
+                <a:ext uri="{28A0092B-C50C-407E-A947-70E740481C1C}">
+                  <a14:useLocalDpi xmlns:a14="http://schemas.microsoft.com/office/drawing/2010/main" val="0"/>
+                </a:ext>
+              </a:extLst>
+            </a:blip>
+            <a:stretch>
+              <a:fillRect/>
+            </a:stretch>
+          </p:blipFill>
+          <p:spPr>
+            <a:xfrm>
+              <a:off x="9504172" y="2807906"/>
+              <a:ext cx="2520000" cy="2520000"/>
+            </a:xfrm>
+            <a:prstGeom prst="rect">
+              <a:avLst/>
+            </a:prstGeom>
+          </p:spPr>
+        </p:pic>
+        <p:pic>
+          <p:nvPicPr>
+            <p:cNvPr id="73" name="그림 72" descr="테이블이(가) 표시된 사진&#10;&#10;자동 생성된 설명">
+              <a:extLst>
+                <a:ext uri="{FF2B5EF4-FFF2-40B4-BE49-F238E27FC236}">
+                  <a16:creationId xmlns:a16="http://schemas.microsoft.com/office/drawing/2014/main" id="{3B7E3244-70E4-4DD8-9B5D-A34A91E498C2}"/>
+                </a:ext>
+              </a:extLst>
+            </p:cNvPr>
+            <p:cNvPicPr>
+              <a:picLocks noChangeAspect="1"/>
+            </p:cNvPicPr>
+            <p:nvPr/>
+          </p:nvPicPr>
+          <p:blipFill>
+            <a:blip r:embed="rId20">
+              <a:extLst>
+                <a:ext uri="{28A0092B-C50C-407E-A947-70E740481C1C}">
+                  <a14:useLocalDpi xmlns:a14="http://schemas.microsoft.com/office/drawing/2010/main" val="0"/>
+                </a:ext>
+              </a:extLst>
+            </a:blip>
+            <a:stretch>
+              <a:fillRect/>
+            </a:stretch>
+          </p:blipFill>
+          <p:spPr>
+            <a:xfrm>
+              <a:off x="11880213" y="2807906"/>
+              <a:ext cx="2520000" cy="2520000"/>
+            </a:xfrm>
+            <a:prstGeom prst="rect">
+              <a:avLst/>
+            </a:prstGeom>
+          </p:spPr>
+        </p:pic>
+        <p:pic>
+          <p:nvPicPr>
+            <p:cNvPr id="107" name="그림 106">
+              <a:extLst>
+                <a:ext uri="{FF2B5EF4-FFF2-40B4-BE49-F238E27FC236}">
+                  <a16:creationId xmlns:a16="http://schemas.microsoft.com/office/drawing/2014/main" id="{7498C0FA-3DDD-4E07-95BB-41AE921DC12B}"/>
+                </a:ext>
+              </a:extLst>
+            </p:cNvPr>
+            <p:cNvPicPr>
+              <a:picLocks noChangeAspect="1"/>
+            </p:cNvPicPr>
+            <p:nvPr/>
+          </p:nvPicPr>
+          <p:blipFill>
+            <a:blip r:embed="rId21">
+              <a:extLst>
+                <a:ext uri="{28A0092B-C50C-407E-A947-70E740481C1C}">
+                  <a14:useLocalDpi xmlns:a14="http://schemas.microsoft.com/office/drawing/2010/main" val="0"/>
+                </a:ext>
+              </a:extLst>
+            </a:blip>
+            <a:stretch>
+              <a:fillRect/>
+            </a:stretch>
+          </p:blipFill>
+          <p:spPr>
+            <a:xfrm>
+              <a:off x="0" y="2807906"/>
+              <a:ext cx="2520000" cy="2520000"/>
+            </a:xfrm>
+            <a:prstGeom prst="rect">
+              <a:avLst/>
+            </a:prstGeom>
+          </p:spPr>
+        </p:pic>
+        <p:pic>
+          <p:nvPicPr>
+            <p:cNvPr id="109" name="그림 108">
+              <a:extLst>
+                <a:ext uri="{FF2B5EF4-FFF2-40B4-BE49-F238E27FC236}">
+                  <a16:creationId xmlns:a16="http://schemas.microsoft.com/office/drawing/2014/main" id="{C7DD5659-D603-4447-98CF-32643CACE317}"/>
+                </a:ext>
+              </a:extLst>
+            </p:cNvPr>
+            <p:cNvPicPr>
+              <a:picLocks noChangeAspect="1"/>
+            </p:cNvPicPr>
+            <p:nvPr/>
+          </p:nvPicPr>
+          <p:blipFill>
+            <a:blip r:embed="rId22">
+              <a:extLst>
+                <a:ext uri="{28A0092B-C50C-407E-A947-70E740481C1C}">
+                  <a14:useLocalDpi xmlns:a14="http://schemas.microsoft.com/office/drawing/2010/main" val="0"/>
+                </a:ext>
+              </a:extLst>
+            </a:blip>
+            <a:stretch>
+              <a:fillRect/>
+            </a:stretch>
+          </p:blipFill>
+          <p:spPr>
+            <a:xfrm>
+              <a:off x="2376043" y="2807906"/>
+              <a:ext cx="2520000" cy="2520000"/>
+            </a:xfrm>
+            <a:prstGeom prst="rect">
+              <a:avLst/>
+            </a:prstGeom>
+          </p:spPr>
+        </p:pic>
+        <p:pic>
+          <p:nvPicPr>
+            <p:cNvPr id="111" name="그림 110" descr="테이블이(가) 표시된 사진&#10;&#10;자동 생성된 설명">
+              <a:extLst>
+                <a:ext uri="{FF2B5EF4-FFF2-40B4-BE49-F238E27FC236}">
+                  <a16:creationId xmlns:a16="http://schemas.microsoft.com/office/drawing/2014/main" id="{3EABF040-EAEC-4777-840F-00F98FB26A25}"/>
+                </a:ext>
+              </a:extLst>
+            </p:cNvPr>
+            <p:cNvPicPr>
+              <a:picLocks noChangeAspect="1"/>
+            </p:cNvPicPr>
+            <p:nvPr/>
+          </p:nvPicPr>
+          <p:blipFill>
+            <a:blip r:embed="rId23">
+              <a:extLst>
+                <a:ext uri="{28A0092B-C50C-407E-A947-70E740481C1C}">
+                  <a14:useLocalDpi xmlns:a14="http://schemas.microsoft.com/office/drawing/2010/main" val="0"/>
+                </a:ext>
+              </a:extLst>
+            </a:blip>
+            <a:stretch>
+              <a:fillRect/>
+            </a:stretch>
+          </p:blipFill>
+          <p:spPr>
+            <a:xfrm>
+              <a:off x="4752086" y="2807906"/>
+              <a:ext cx="2520000" cy="2520000"/>
+            </a:xfrm>
+            <a:prstGeom prst="rect">
+              <a:avLst/>
+            </a:prstGeom>
+          </p:spPr>
+        </p:pic>
       </p:grpSp>
     </p:spTree>
     <p:extLst>
       <p:ext uri="{BB962C8B-B14F-4D97-AF65-F5344CB8AC3E}">
         <p14:creationId xmlns:p14="http://schemas.microsoft.com/office/powerpoint/2010/main" val="1925094955"/>
-      </p:ext>
-    </p:extLst>
-  </p:cSld>
-  <p:clrMapOvr>
-    <a:masterClrMapping/>
-  </p:clrMapOvr>
-</p:sld>
-</file>
-
-<file path=ppt/slides/slide2.xml><?xml version="1.0" encoding="utf-8"?>
-<p:sld xmlns:a="http://schemas.openxmlformats.org/drawingml/2006/main" xmlns:r="http://schemas.openxmlformats.org/officeDocument/2006/relationships" xmlns:p="http://schemas.openxmlformats.org/presentationml/2006/main">
-  <p:cSld>
-    <p:spTree>
-      <p:nvGrpSpPr>
-        <p:cNvPr id="1" name=""/>
-        <p:cNvGrpSpPr/>
-        <p:nvPr/>
-      </p:nvGrpSpPr>
-      <p:grpSpPr>
-        <a:xfrm>
-          <a:off x="0" y="0"/>
-          <a:ext cx="0" cy="0"/>
-          <a:chOff x="0" y="0"/>
-          <a:chExt cx="0" cy="0"/>
-        </a:xfrm>
-      </p:grpSpPr>
-      <p:pic>
-        <p:nvPicPr>
-          <p:cNvPr id="9" name="그림 8">
-            <a:extLst>
-              <a:ext uri="{FF2B5EF4-FFF2-40B4-BE49-F238E27FC236}">
-                <a16:creationId xmlns:a16="http://schemas.microsoft.com/office/drawing/2014/main" id="{CEE08FFB-CD9C-4A8E-8DA4-77F81EAA8F03}"/>
-              </a:ext>
-            </a:extLst>
-          </p:cNvPr>
-          <p:cNvPicPr>
-            <a:picLocks noChangeAspect="1"/>
-          </p:cNvPicPr>
-          <p:nvPr/>
-        </p:nvPicPr>
-        <p:blipFill>
-          <a:blip r:embed="rId2">
-            <a:extLst>
-              <a:ext uri="{28A0092B-C50C-407E-A947-70E740481C1C}">
-                <a14:useLocalDpi xmlns:a14="http://schemas.microsoft.com/office/drawing/2010/main" val="0"/>
-              </a:ext>
-            </a:extLst>
-          </a:blip>
-          <a:srcRect/>
-          <a:stretch/>
-        </p:blipFill>
-        <p:spPr>
-          <a:xfrm>
-            <a:off x="1636106" y="5449519"/>
-            <a:ext cx="1800000" cy="1800000"/>
-          </a:xfrm>
-          <a:prstGeom prst="rect">
-            <a:avLst/>
-          </a:prstGeom>
-        </p:spPr>
-      </p:pic>
-      <p:pic>
-        <p:nvPicPr>
-          <p:cNvPr id="11" name="그림 10">
-            <a:extLst>
-              <a:ext uri="{FF2B5EF4-FFF2-40B4-BE49-F238E27FC236}">
-                <a16:creationId xmlns:a16="http://schemas.microsoft.com/office/drawing/2014/main" id="{77E01ED5-FA6D-40EA-B67F-961F813D0871}"/>
-              </a:ext>
-            </a:extLst>
-          </p:cNvPr>
-          <p:cNvPicPr>
-            <a:picLocks noChangeAspect="1"/>
-          </p:cNvPicPr>
-          <p:nvPr/>
-        </p:nvPicPr>
-        <p:blipFill>
-          <a:blip r:embed="rId3">
-            <a:extLst>
-              <a:ext uri="{28A0092B-C50C-407E-A947-70E740481C1C}">
-                <a14:useLocalDpi xmlns:a14="http://schemas.microsoft.com/office/drawing/2010/main" val="0"/>
-              </a:ext>
-            </a:extLst>
-          </a:blip>
-          <a:srcRect/>
-          <a:stretch/>
-        </p:blipFill>
-        <p:spPr>
-          <a:xfrm>
-            <a:off x="3968106" y="5449519"/>
-            <a:ext cx="1800000" cy="1800000"/>
-          </a:xfrm>
-          <a:prstGeom prst="rect">
-            <a:avLst/>
-          </a:prstGeom>
-        </p:spPr>
-      </p:pic>
-      <p:pic>
-        <p:nvPicPr>
-          <p:cNvPr id="13" name="그림 12">
-            <a:extLst>
-              <a:ext uri="{FF2B5EF4-FFF2-40B4-BE49-F238E27FC236}">
-                <a16:creationId xmlns:a16="http://schemas.microsoft.com/office/drawing/2014/main" id="{93830989-BE3F-4468-A87C-BB5407631FF7}"/>
-              </a:ext>
-            </a:extLst>
-          </p:cNvPr>
-          <p:cNvPicPr>
-            <a:picLocks noChangeAspect="1"/>
-          </p:cNvPicPr>
-          <p:nvPr/>
-        </p:nvPicPr>
-        <p:blipFill>
-          <a:blip r:embed="rId4">
-            <a:extLst>
-              <a:ext uri="{28A0092B-C50C-407E-A947-70E740481C1C}">
-                <a14:useLocalDpi xmlns:a14="http://schemas.microsoft.com/office/drawing/2010/main" val="0"/>
-              </a:ext>
-            </a:extLst>
-          </a:blip>
-          <a:srcRect/>
-          <a:stretch/>
-        </p:blipFill>
-        <p:spPr>
-          <a:xfrm>
-            <a:off x="6300106" y="5449519"/>
-            <a:ext cx="1800000" cy="1800000"/>
-          </a:xfrm>
-          <a:prstGeom prst="rect">
-            <a:avLst/>
-          </a:prstGeom>
-        </p:spPr>
-      </p:pic>
-      <p:pic>
-        <p:nvPicPr>
-          <p:cNvPr id="15" name="그림 14">
-            <a:extLst>
-              <a:ext uri="{FF2B5EF4-FFF2-40B4-BE49-F238E27FC236}">
-                <a16:creationId xmlns:a16="http://schemas.microsoft.com/office/drawing/2014/main" id="{F4FF59CE-9504-4FEB-AC57-504F7FFFCA68}"/>
-              </a:ext>
-            </a:extLst>
-          </p:cNvPr>
-          <p:cNvPicPr>
-            <a:picLocks noChangeAspect="1"/>
-          </p:cNvPicPr>
-          <p:nvPr/>
-        </p:nvPicPr>
-        <p:blipFill>
-          <a:blip r:embed="rId5">
-            <a:extLst>
-              <a:ext uri="{28A0092B-C50C-407E-A947-70E740481C1C}">
-                <a14:useLocalDpi xmlns:a14="http://schemas.microsoft.com/office/drawing/2010/main" val="0"/>
-              </a:ext>
-            </a:extLst>
-          </a:blip>
-          <a:srcRect/>
-          <a:stretch/>
-        </p:blipFill>
-        <p:spPr>
-          <a:xfrm>
-            <a:off x="8632106" y="5449519"/>
-            <a:ext cx="1800000" cy="1800000"/>
-          </a:xfrm>
-          <a:prstGeom prst="rect">
-            <a:avLst/>
-          </a:prstGeom>
-        </p:spPr>
-      </p:pic>
-      <p:pic>
-        <p:nvPicPr>
-          <p:cNvPr id="17" name="그림 16">
-            <a:extLst>
-              <a:ext uri="{FF2B5EF4-FFF2-40B4-BE49-F238E27FC236}">
-                <a16:creationId xmlns:a16="http://schemas.microsoft.com/office/drawing/2014/main" id="{4B65D94D-FCAB-4BF3-AD12-6CACA226509D}"/>
-              </a:ext>
-            </a:extLst>
-          </p:cNvPr>
-          <p:cNvPicPr>
-            <a:picLocks noChangeAspect="1"/>
-          </p:cNvPicPr>
-          <p:nvPr/>
-        </p:nvPicPr>
-        <p:blipFill>
-          <a:blip r:embed="rId6">
-            <a:extLst>
-              <a:ext uri="{28A0092B-C50C-407E-A947-70E740481C1C}">
-                <a14:useLocalDpi xmlns:a14="http://schemas.microsoft.com/office/drawing/2010/main" val="0"/>
-              </a:ext>
-            </a:extLst>
-          </a:blip>
-          <a:srcRect/>
-          <a:stretch/>
-        </p:blipFill>
-        <p:spPr>
-          <a:xfrm>
-            <a:off x="10964106" y="5449519"/>
-            <a:ext cx="1800000" cy="1800000"/>
-          </a:xfrm>
-          <a:prstGeom prst="rect">
-            <a:avLst/>
-          </a:prstGeom>
-        </p:spPr>
-      </p:pic>
-      <p:pic>
-        <p:nvPicPr>
-          <p:cNvPr id="19" name="그림 18">
-            <a:extLst>
-              <a:ext uri="{FF2B5EF4-FFF2-40B4-BE49-F238E27FC236}">
-                <a16:creationId xmlns:a16="http://schemas.microsoft.com/office/drawing/2014/main" id="{59C6C099-50B1-4F02-9F9E-AFA8CACB7A1E}"/>
-              </a:ext>
-            </a:extLst>
-          </p:cNvPr>
-          <p:cNvPicPr>
-            <a:picLocks noChangeAspect="1"/>
-          </p:cNvPicPr>
-          <p:nvPr/>
-        </p:nvPicPr>
-        <p:blipFill>
-          <a:blip r:embed="rId7">
-            <a:extLst>
-              <a:ext uri="{28A0092B-C50C-407E-A947-70E740481C1C}">
-                <a14:useLocalDpi xmlns:a14="http://schemas.microsoft.com/office/drawing/2010/main" val="0"/>
-              </a:ext>
-            </a:extLst>
-          </a:blip>
-          <a:srcRect/>
-          <a:stretch/>
-        </p:blipFill>
-        <p:spPr>
-          <a:xfrm>
-            <a:off x="1636106" y="7348794"/>
-            <a:ext cx="1800000" cy="1800000"/>
-          </a:xfrm>
-          <a:prstGeom prst="rect">
-            <a:avLst/>
-          </a:prstGeom>
-        </p:spPr>
-      </p:pic>
-      <p:pic>
-        <p:nvPicPr>
-          <p:cNvPr id="21" name="그림 20">
-            <a:extLst>
-              <a:ext uri="{FF2B5EF4-FFF2-40B4-BE49-F238E27FC236}">
-                <a16:creationId xmlns:a16="http://schemas.microsoft.com/office/drawing/2014/main" id="{E1E854DF-6A5D-44EE-B310-3AA5B3F5B601}"/>
-              </a:ext>
-            </a:extLst>
-          </p:cNvPr>
-          <p:cNvPicPr>
-            <a:picLocks noChangeAspect="1"/>
-          </p:cNvPicPr>
-          <p:nvPr/>
-        </p:nvPicPr>
-        <p:blipFill>
-          <a:blip r:embed="rId8">
-            <a:extLst>
-              <a:ext uri="{28A0092B-C50C-407E-A947-70E740481C1C}">
-                <a14:useLocalDpi xmlns:a14="http://schemas.microsoft.com/office/drawing/2010/main" val="0"/>
-              </a:ext>
-            </a:extLst>
-          </a:blip>
-          <a:srcRect/>
-          <a:stretch/>
-        </p:blipFill>
-        <p:spPr>
-          <a:xfrm>
-            <a:off x="3968106" y="7348794"/>
-            <a:ext cx="1800000" cy="1800000"/>
-          </a:xfrm>
-          <a:prstGeom prst="rect">
-            <a:avLst/>
-          </a:prstGeom>
-        </p:spPr>
-      </p:pic>
-      <p:pic>
-        <p:nvPicPr>
-          <p:cNvPr id="23" name="그림 22">
-            <a:extLst>
-              <a:ext uri="{FF2B5EF4-FFF2-40B4-BE49-F238E27FC236}">
-                <a16:creationId xmlns:a16="http://schemas.microsoft.com/office/drawing/2014/main" id="{9635DE26-BA49-4536-BED7-E1075D44FAC0}"/>
-              </a:ext>
-            </a:extLst>
-          </p:cNvPr>
-          <p:cNvPicPr>
-            <a:picLocks noChangeAspect="1"/>
-          </p:cNvPicPr>
-          <p:nvPr/>
-        </p:nvPicPr>
-        <p:blipFill>
-          <a:blip r:embed="rId9">
-            <a:extLst>
-              <a:ext uri="{28A0092B-C50C-407E-A947-70E740481C1C}">
-                <a14:useLocalDpi xmlns:a14="http://schemas.microsoft.com/office/drawing/2010/main" val="0"/>
-              </a:ext>
-            </a:extLst>
-          </a:blip>
-          <a:srcRect/>
-          <a:stretch/>
-        </p:blipFill>
-        <p:spPr>
-          <a:xfrm>
-            <a:off x="1636106" y="1650969"/>
-            <a:ext cx="1800000" cy="1800000"/>
-          </a:xfrm>
-          <a:prstGeom prst="rect">
-            <a:avLst/>
-          </a:prstGeom>
-        </p:spPr>
-      </p:pic>
-      <p:pic>
-        <p:nvPicPr>
-          <p:cNvPr id="25" name="그림 24">
-            <a:extLst>
-              <a:ext uri="{FF2B5EF4-FFF2-40B4-BE49-F238E27FC236}">
-                <a16:creationId xmlns:a16="http://schemas.microsoft.com/office/drawing/2014/main" id="{57AA9783-F6C1-423D-9F64-F8E39E4D2F1D}"/>
-              </a:ext>
-            </a:extLst>
-          </p:cNvPr>
-          <p:cNvPicPr>
-            <a:picLocks noChangeAspect="1"/>
-          </p:cNvPicPr>
-          <p:nvPr/>
-        </p:nvPicPr>
-        <p:blipFill>
-          <a:blip r:embed="rId10">
-            <a:extLst>
-              <a:ext uri="{28A0092B-C50C-407E-A947-70E740481C1C}">
-                <a14:useLocalDpi xmlns:a14="http://schemas.microsoft.com/office/drawing/2010/main" val="0"/>
-              </a:ext>
-            </a:extLst>
-          </a:blip>
-          <a:srcRect/>
-          <a:stretch/>
-        </p:blipFill>
-        <p:spPr>
-          <a:xfrm>
-            <a:off x="3968106" y="1650969"/>
-            <a:ext cx="1800000" cy="1800000"/>
-          </a:xfrm>
-          <a:prstGeom prst="rect">
-            <a:avLst/>
-          </a:prstGeom>
-        </p:spPr>
-      </p:pic>
-      <p:pic>
-        <p:nvPicPr>
-          <p:cNvPr id="27" name="그림 26">
-            <a:extLst>
-              <a:ext uri="{FF2B5EF4-FFF2-40B4-BE49-F238E27FC236}">
-                <a16:creationId xmlns:a16="http://schemas.microsoft.com/office/drawing/2014/main" id="{53C38D0F-C13A-4163-9B76-F8A2BBC484E2}"/>
-              </a:ext>
-            </a:extLst>
-          </p:cNvPr>
-          <p:cNvPicPr>
-            <a:picLocks noChangeAspect="1"/>
-          </p:cNvPicPr>
-          <p:nvPr/>
-        </p:nvPicPr>
-        <p:blipFill>
-          <a:blip r:embed="rId11">
-            <a:extLst>
-              <a:ext uri="{28A0092B-C50C-407E-A947-70E740481C1C}">
-                <a14:useLocalDpi xmlns:a14="http://schemas.microsoft.com/office/drawing/2010/main" val="0"/>
-              </a:ext>
-            </a:extLst>
-          </a:blip>
-          <a:srcRect/>
-          <a:stretch/>
-        </p:blipFill>
-        <p:spPr>
-          <a:xfrm>
-            <a:off x="6300106" y="1650969"/>
-            <a:ext cx="1800000" cy="1800000"/>
-          </a:xfrm>
-          <a:prstGeom prst="rect">
-            <a:avLst/>
-          </a:prstGeom>
-        </p:spPr>
-      </p:pic>
-      <p:pic>
-        <p:nvPicPr>
-          <p:cNvPr id="29" name="그림 28">
-            <a:extLst>
-              <a:ext uri="{FF2B5EF4-FFF2-40B4-BE49-F238E27FC236}">
-                <a16:creationId xmlns:a16="http://schemas.microsoft.com/office/drawing/2014/main" id="{90F01D59-1819-4907-AAFC-285CFF25D670}"/>
-              </a:ext>
-            </a:extLst>
-          </p:cNvPr>
-          <p:cNvPicPr>
-            <a:picLocks noChangeAspect="1"/>
-          </p:cNvPicPr>
-          <p:nvPr/>
-        </p:nvPicPr>
-        <p:blipFill>
-          <a:blip r:embed="rId12">
-            <a:extLst>
-              <a:ext uri="{28A0092B-C50C-407E-A947-70E740481C1C}">
-                <a14:useLocalDpi xmlns:a14="http://schemas.microsoft.com/office/drawing/2010/main" val="0"/>
-              </a:ext>
-            </a:extLst>
-          </a:blip>
-          <a:srcRect/>
-          <a:stretch/>
-        </p:blipFill>
-        <p:spPr>
-          <a:xfrm>
-            <a:off x="8632106" y="1650969"/>
-            <a:ext cx="1800000" cy="1800000"/>
-          </a:xfrm>
-          <a:prstGeom prst="rect">
-            <a:avLst/>
-          </a:prstGeom>
-        </p:spPr>
-      </p:pic>
-      <p:pic>
-        <p:nvPicPr>
-          <p:cNvPr id="31" name="그림 30">
-            <a:extLst>
-              <a:ext uri="{FF2B5EF4-FFF2-40B4-BE49-F238E27FC236}">
-                <a16:creationId xmlns:a16="http://schemas.microsoft.com/office/drawing/2014/main" id="{DCFE9708-B7ED-4B27-8281-EA2E233D9F84}"/>
-              </a:ext>
-            </a:extLst>
-          </p:cNvPr>
-          <p:cNvPicPr>
-            <a:picLocks noChangeAspect="1"/>
-          </p:cNvPicPr>
-          <p:nvPr/>
-        </p:nvPicPr>
-        <p:blipFill>
-          <a:blip r:embed="rId13">
-            <a:extLst>
-              <a:ext uri="{28A0092B-C50C-407E-A947-70E740481C1C}">
-                <a14:useLocalDpi xmlns:a14="http://schemas.microsoft.com/office/drawing/2010/main" val="0"/>
-              </a:ext>
-            </a:extLst>
-          </a:blip>
-          <a:srcRect/>
-          <a:stretch/>
-        </p:blipFill>
-        <p:spPr>
-          <a:xfrm>
-            <a:off x="10964106" y="1650969"/>
-            <a:ext cx="1800000" cy="1800000"/>
-          </a:xfrm>
-          <a:prstGeom prst="rect">
-            <a:avLst/>
-          </a:prstGeom>
-        </p:spPr>
-      </p:pic>
-      <p:pic>
-        <p:nvPicPr>
-          <p:cNvPr id="5" name="그림 4">
-            <a:extLst>
-              <a:ext uri="{FF2B5EF4-FFF2-40B4-BE49-F238E27FC236}">
-                <a16:creationId xmlns:a16="http://schemas.microsoft.com/office/drawing/2014/main" id="{490E101D-741D-41E6-BBE8-84A778CBE84A}"/>
-              </a:ext>
-            </a:extLst>
-          </p:cNvPr>
-          <p:cNvPicPr>
-            <a:picLocks noChangeAspect="1"/>
-          </p:cNvPicPr>
-          <p:nvPr/>
-        </p:nvPicPr>
-        <p:blipFill>
-          <a:blip r:embed="rId14">
-            <a:extLst>
-              <a:ext uri="{28A0092B-C50C-407E-A947-70E740481C1C}">
-                <a14:useLocalDpi xmlns:a14="http://schemas.microsoft.com/office/drawing/2010/main" val="0"/>
-              </a:ext>
-            </a:extLst>
-          </a:blip>
-          <a:srcRect/>
-          <a:stretch/>
-        </p:blipFill>
-        <p:spPr>
-          <a:xfrm>
-            <a:off x="8632106" y="3550244"/>
-            <a:ext cx="1800000" cy="1800000"/>
-          </a:xfrm>
-          <a:prstGeom prst="rect">
-            <a:avLst/>
-          </a:prstGeom>
-        </p:spPr>
-      </p:pic>
-      <p:pic>
-        <p:nvPicPr>
-          <p:cNvPr id="7" name="그림 6">
-            <a:extLst>
-              <a:ext uri="{FF2B5EF4-FFF2-40B4-BE49-F238E27FC236}">
-                <a16:creationId xmlns:a16="http://schemas.microsoft.com/office/drawing/2014/main" id="{4B6E7700-ACC0-4713-9D78-657BF37D1252}"/>
-              </a:ext>
-            </a:extLst>
-          </p:cNvPr>
-          <p:cNvPicPr>
-            <a:picLocks noChangeAspect="1"/>
-          </p:cNvPicPr>
-          <p:nvPr/>
-        </p:nvPicPr>
-        <p:blipFill>
-          <a:blip r:embed="rId15">
-            <a:extLst>
-              <a:ext uri="{28A0092B-C50C-407E-A947-70E740481C1C}">
-                <a14:useLocalDpi xmlns:a14="http://schemas.microsoft.com/office/drawing/2010/main" val="0"/>
-              </a:ext>
-            </a:extLst>
-          </a:blip>
-          <a:srcRect/>
-          <a:stretch/>
-        </p:blipFill>
-        <p:spPr>
-          <a:xfrm>
-            <a:off x="10964106" y="3550244"/>
-            <a:ext cx="1800000" cy="1800000"/>
-          </a:xfrm>
-          <a:prstGeom prst="rect">
-            <a:avLst/>
-          </a:prstGeom>
-        </p:spPr>
-      </p:pic>
-      <p:pic>
-        <p:nvPicPr>
-          <p:cNvPr id="33" name="그림 32">
-            <a:extLst>
-              <a:ext uri="{FF2B5EF4-FFF2-40B4-BE49-F238E27FC236}">
-                <a16:creationId xmlns:a16="http://schemas.microsoft.com/office/drawing/2014/main" id="{00C0A336-9F67-4D5F-B1FE-9752566B55D2}"/>
-              </a:ext>
-            </a:extLst>
-          </p:cNvPr>
-          <p:cNvPicPr>
-            <a:picLocks noChangeAspect="1"/>
-          </p:cNvPicPr>
-          <p:nvPr/>
-        </p:nvPicPr>
-        <p:blipFill>
-          <a:blip r:embed="rId16">
-            <a:extLst>
-              <a:ext uri="{28A0092B-C50C-407E-A947-70E740481C1C}">
-                <a14:useLocalDpi xmlns:a14="http://schemas.microsoft.com/office/drawing/2010/main" val="0"/>
-              </a:ext>
-            </a:extLst>
-          </a:blip>
-          <a:srcRect/>
-          <a:stretch/>
-        </p:blipFill>
-        <p:spPr>
-          <a:xfrm>
-            <a:off x="1636106" y="3550244"/>
-            <a:ext cx="1800000" cy="1800000"/>
-          </a:xfrm>
-          <a:prstGeom prst="rect">
-            <a:avLst/>
-          </a:prstGeom>
-        </p:spPr>
-      </p:pic>
-      <p:pic>
-        <p:nvPicPr>
-          <p:cNvPr id="35" name="그림 34">
-            <a:extLst>
-              <a:ext uri="{FF2B5EF4-FFF2-40B4-BE49-F238E27FC236}">
-                <a16:creationId xmlns:a16="http://schemas.microsoft.com/office/drawing/2014/main" id="{B21219B9-B5C6-4CB7-AB23-F6F628ECDAB5}"/>
-              </a:ext>
-            </a:extLst>
-          </p:cNvPr>
-          <p:cNvPicPr>
-            <a:picLocks noChangeAspect="1"/>
-          </p:cNvPicPr>
-          <p:nvPr/>
-        </p:nvPicPr>
-        <p:blipFill>
-          <a:blip r:embed="rId17">
-            <a:extLst>
-              <a:ext uri="{28A0092B-C50C-407E-A947-70E740481C1C}">
-                <a14:useLocalDpi xmlns:a14="http://schemas.microsoft.com/office/drawing/2010/main" val="0"/>
-              </a:ext>
-            </a:extLst>
-          </a:blip>
-          <a:srcRect/>
-          <a:stretch/>
-        </p:blipFill>
-        <p:spPr>
-          <a:xfrm>
-            <a:off x="3968106" y="3550244"/>
-            <a:ext cx="1800000" cy="1800000"/>
-          </a:xfrm>
-          <a:prstGeom prst="rect">
-            <a:avLst/>
-          </a:prstGeom>
-        </p:spPr>
-      </p:pic>
-      <p:pic>
-        <p:nvPicPr>
-          <p:cNvPr id="37" name="그림 36">
-            <a:extLst>
-              <a:ext uri="{FF2B5EF4-FFF2-40B4-BE49-F238E27FC236}">
-                <a16:creationId xmlns:a16="http://schemas.microsoft.com/office/drawing/2014/main" id="{D39F6263-08B4-4556-A1E6-174DD91A81C8}"/>
-              </a:ext>
-            </a:extLst>
-          </p:cNvPr>
-          <p:cNvPicPr>
-            <a:picLocks noChangeAspect="1"/>
-          </p:cNvPicPr>
-          <p:nvPr/>
-        </p:nvPicPr>
-        <p:blipFill>
-          <a:blip r:embed="rId18">
-            <a:extLst>
-              <a:ext uri="{28A0092B-C50C-407E-A947-70E740481C1C}">
-                <a14:useLocalDpi xmlns:a14="http://schemas.microsoft.com/office/drawing/2010/main" val="0"/>
-              </a:ext>
-            </a:extLst>
-          </a:blip>
-          <a:srcRect/>
-          <a:stretch/>
-        </p:blipFill>
-        <p:spPr>
-          <a:xfrm>
-            <a:off x="6300106" y="3550244"/>
-            <a:ext cx="1800000" cy="1800000"/>
-          </a:xfrm>
-          <a:prstGeom prst="rect">
-            <a:avLst/>
-          </a:prstGeom>
-        </p:spPr>
-      </p:pic>
-    </p:spTree>
-    <p:extLst>
-      <p:ext uri="{BB962C8B-B14F-4D97-AF65-F5344CB8AC3E}">
-        <p14:creationId xmlns:p14="http://schemas.microsoft.com/office/powerpoint/2010/main" val="2547293588"/>
       </p:ext>
     </p:extLst>
   </p:cSld>
